--- a/6. 서버프로그램구현/단순 게시판 작성.pptx
+++ b/6. 서버프로그램구현/단순 게시판 작성.pptx
@@ -106,6 +106,11 @@
       </a:defRPr>
     </a:lvl9pPr>
   </p:defaultTextStyle>
+  <p:extLst>
+    <p:ext uri="{EFAFB233-063F-42B5-8137-9DF3F51BA10A}">
+      <p15:sldGuideLst xmlns:p15="http://schemas.microsoft.com/office/powerpoint/2012/main"/>
+    </p:ext>
+  </p:extLst>
 </p:presentation>
 </file>
 
@@ -4215,8 +4220,8 @@
         </p:nvCxnSpPr>
         <p:spPr>
           <a:xfrm>
-            <a:off x="1030778" y="4788131"/>
-            <a:ext cx="3665913" cy="947651"/>
+            <a:off x="750070" y="4831169"/>
+            <a:ext cx="1226643" cy="904613"/>
           </a:xfrm>
           <a:prstGeom prst="straightConnector1">
             <a:avLst/>
@@ -4248,7 +4253,7 @@
         </p:nvSpPr>
         <p:spPr>
           <a:xfrm>
-            <a:off x="4696691" y="5833750"/>
+            <a:off x="1976713" y="5833750"/>
             <a:ext cx="2656496" cy="369332"/>
           </a:xfrm>
           <a:prstGeom prst="rect">
@@ -4257,7 +4262,7 @@
           <a:noFill/>
         </p:spPr>
         <p:txBody>
-          <a:bodyPr wrap="none" rtlCol="0">
+          <a:bodyPr wrap="square" rtlCol="0">
             <a:spAutoFit/>
           </a:bodyPr>
           <a:lstStyle/>
@@ -4270,6 +4275,286 @@
           </a:p>
         </p:txBody>
       </p:sp>
+      <p:sp>
+        <p:nvSpPr>
+          <p:cNvPr id="16" name="TextBox 15"/>
+          <p:cNvSpPr txBox="1"/>
+          <p:nvPr/>
+        </p:nvSpPr>
+        <p:spPr>
+          <a:xfrm>
+            <a:off x="1362258" y="4595699"/>
+            <a:ext cx="834707" cy="338554"/>
+          </a:xfrm>
+          <a:prstGeom prst="rect">
+            <a:avLst/>
+          </a:prstGeom>
+          <a:noFill/>
+        </p:spPr>
+        <p:txBody>
+          <a:bodyPr wrap="square" rtlCol="0">
+            <a:spAutoFit/>
+          </a:bodyPr>
+          <a:lstStyle/>
+          <a:p>
+            <a:r>
+              <a:rPr lang="ko-KR" altLang="en-US" sz="1600" dirty="0" smtClean="0"/>
+              <a:t>  수정</a:t>
+            </a:r>
+            <a:endParaRPr lang="ko-KR" altLang="en-US" sz="1600" dirty="0"/>
+          </a:p>
+        </p:txBody>
+      </p:sp>
+      <p:sp>
+        <p:nvSpPr>
+          <p:cNvPr id="17" name="직사각형 16"/>
+          <p:cNvSpPr/>
+          <p:nvPr/>
+        </p:nvSpPr>
+        <p:spPr>
+          <a:xfrm>
+            <a:off x="1211736" y="4580310"/>
+            <a:ext cx="1107996" cy="369332"/>
+          </a:xfrm>
+          <a:prstGeom prst="rect">
+            <a:avLst/>
+          </a:prstGeom>
+          <a:noFill/>
+        </p:spPr>
+        <p:style>
+          <a:lnRef idx="2">
+            <a:schemeClr val="accent1">
+              <a:shade val="50000"/>
+            </a:schemeClr>
+          </a:lnRef>
+          <a:fillRef idx="1">
+            <a:schemeClr val="accent1"/>
+          </a:fillRef>
+          <a:effectRef idx="0">
+            <a:schemeClr val="accent1"/>
+          </a:effectRef>
+          <a:fontRef idx="minor">
+            <a:schemeClr val="lt1"/>
+          </a:fontRef>
+        </p:style>
+        <p:txBody>
+          <a:bodyPr rtlCol="0" anchor="ctr"/>
+          <a:lstStyle/>
+          <a:p>
+            <a:pPr algn="ctr"/>
+            <a:endParaRPr lang="ko-KR" altLang="en-US"/>
+          </a:p>
+        </p:txBody>
+      </p:sp>
+      <p:sp>
+        <p:nvSpPr>
+          <p:cNvPr id="18" name="TextBox 17"/>
+          <p:cNvSpPr txBox="1"/>
+          <p:nvPr/>
+        </p:nvSpPr>
+        <p:spPr>
+          <a:xfrm>
+            <a:off x="2470254" y="4595699"/>
+            <a:ext cx="834707" cy="338554"/>
+          </a:xfrm>
+          <a:prstGeom prst="rect">
+            <a:avLst/>
+          </a:prstGeom>
+          <a:noFill/>
+        </p:spPr>
+        <p:txBody>
+          <a:bodyPr wrap="square" rtlCol="0">
+            <a:spAutoFit/>
+          </a:bodyPr>
+          <a:lstStyle/>
+          <a:p>
+            <a:r>
+              <a:rPr lang="ko-KR" altLang="en-US" sz="1600" dirty="0" smtClean="0"/>
+              <a:t>  삭제</a:t>
+            </a:r>
+            <a:endParaRPr lang="ko-KR" altLang="en-US" sz="1600" dirty="0"/>
+          </a:p>
+        </p:txBody>
+      </p:sp>
+      <p:sp>
+        <p:nvSpPr>
+          <p:cNvPr id="19" name="직사각형 18"/>
+          <p:cNvSpPr/>
+          <p:nvPr/>
+        </p:nvSpPr>
+        <p:spPr>
+          <a:xfrm>
+            <a:off x="2319732" y="4580310"/>
+            <a:ext cx="1107996" cy="369332"/>
+          </a:xfrm>
+          <a:prstGeom prst="rect">
+            <a:avLst/>
+          </a:prstGeom>
+          <a:noFill/>
+        </p:spPr>
+        <p:style>
+          <a:lnRef idx="2">
+            <a:schemeClr val="accent1">
+              <a:shade val="50000"/>
+            </a:schemeClr>
+          </a:lnRef>
+          <a:fillRef idx="1">
+            <a:schemeClr val="accent1"/>
+          </a:fillRef>
+          <a:effectRef idx="0">
+            <a:schemeClr val="accent1"/>
+          </a:effectRef>
+          <a:fontRef idx="minor">
+            <a:schemeClr val="lt1"/>
+          </a:fontRef>
+        </p:style>
+        <p:txBody>
+          <a:bodyPr rtlCol="0" anchor="ctr"/>
+          <a:lstStyle/>
+          <a:p>
+            <a:pPr algn="ctr"/>
+            <a:endParaRPr lang="ko-KR" altLang="en-US"/>
+          </a:p>
+        </p:txBody>
+      </p:sp>
+      <p:sp>
+        <p:nvSpPr>
+          <p:cNvPr id="22" name="TextBox 21"/>
+          <p:cNvSpPr txBox="1"/>
+          <p:nvPr/>
+        </p:nvSpPr>
+        <p:spPr>
+          <a:xfrm>
+            <a:off x="3225338" y="5464418"/>
+            <a:ext cx="2656496" cy="369332"/>
+          </a:xfrm>
+          <a:prstGeom prst="rect">
+            <a:avLst/>
+          </a:prstGeom>
+          <a:noFill/>
+        </p:spPr>
+        <p:txBody>
+          <a:bodyPr wrap="square" rtlCol="0">
+            <a:spAutoFit/>
+          </a:bodyPr>
+          <a:lstStyle/>
+          <a:p>
+            <a:r>
+              <a:rPr lang="ko-KR" altLang="en-US" dirty="0" smtClean="0"/>
+              <a:t>클릭하면 </a:t>
+            </a:r>
+            <a:r>
+              <a:rPr lang="ko-KR" altLang="en-US" dirty="0" smtClean="0"/>
+              <a:t>수정 </a:t>
+            </a:r>
+            <a:r>
+              <a:rPr lang="ko-KR" altLang="en-US" dirty="0" smtClean="0"/>
+              <a:t>페이지로</a:t>
+            </a:r>
+            <a:endParaRPr lang="ko-KR" altLang="en-US" dirty="0"/>
+          </a:p>
+        </p:txBody>
+      </p:sp>
+      <p:sp>
+        <p:nvSpPr>
+          <p:cNvPr id="23" name="TextBox 22"/>
+          <p:cNvSpPr txBox="1"/>
+          <p:nvPr/>
+        </p:nvSpPr>
+        <p:spPr>
+          <a:xfrm>
+            <a:off x="4633208" y="5098809"/>
+            <a:ext cx="3684073" cy="369332"/>
+          </a:xfrm>
+          <a:prstGeom prst="rect">
+            <a:avLst/>
+          </a:prstGeom>
+          <a:noFill/>
+        </p:spPr>
+        <p:txBody>
+          <a:bodyPr wrap="square" rtlCol="0">
+            <a:spAutoFit/>
+          </a:bodyPr>
+          <a:lstStyle/>
+          <a:p>
+            <a:r>
+              <a:rPr lang="ko-KR" altLang="en-US" smtClean="0"/>
+              <a:t>클릭하면 삭제하고 </a:t>
+            </a:r>
+            <a:r>
+              <a:rPr lang="ko-KR" altLang="en-US" dirty="0" smtClean="0"/>
+              <a:t>메인 페이지로</a:t>
+            </a:r>
+            <a:endParaRPr lang="ko-KR" altLang="en-US" dirty="0"/>
+          </a:p>
+        </p:txBody>
+      </p:sp>
+      <p:cxnSp>
+        <p:nvCxnSpPr>
+          <p:cNvPr id="24" name="직선 화살표 연결선 23"/>
+          <p:cNvCxnSpPr/>
+          <p:nvPr/>
+        </p:nvCxnSpPr>
+        <p:spPr>
+          <a:xfrm>
+            <a:off x="1786816" y="4764976"/>
+            <a:ext cx="1518145" cy="624629"/>
+          </a:xfrm>
+          <a:prstGeom prst="straightConnector1">
+            <a:avLst/>
+          </a:prstGeom>
+          <a:ln>
+            <a:tailEnd type="triangle"/>
+          </a:ln>
+        </p:spPr>
+        <p:style>
+          <a:lnRef idx="1">
+            <a:schemeClr val="accent1"/>
+          </a:lnRef>
+          <a:fillRef idx="0">
+            <a:schemeClr val="accent1"/>
+          </a:fillRef>
+          <a:effectRef idx="0">
+            <a:schemeClr val="accent1"/>
+          </a:effectRef>
+          <a:fontRef idx="minor">
+            <a:schemeClr val="tx1"/>
+          </a:fontRef>
+        </p:style>
+      </p:cxnSp>
+      <p:cxnSp>
+        <p:nvCxnSpPr>
+          <p:cNvPr id="25" name="직선 화살표 연결선 24"/>
+          <p:cNvCxnSpPr/>
+          <p:nvPr/>
+        </p:nvCxnSpPr>
+        <p:spPr>
+          <a:xfrm>
+            <a:off x="2894812" y="4764976"/>
+            <a:ext cx="1861164" cy="282634"/>
+          </a:xfrm>
+          <a:prstGeom prst="straightConnector1">
+            <a:avLst/>
+          </a:prstGeom>
+          <a:ln>
+            <a:tailEnd type="triangle"/>
+          </a:ln>
+        </p:spPr>
+        <p:style>
+          <a:lnRef idx="1">
+            <a:schemeClr val="accent1"/>
+          </a:lnRef>
+          <a:fillRef idx="0">
+            <a:schemeClr val="accent1"/>
+          </a:fillRef>
+          <a:effectRef idx="0">
+            <a:schemeClr val="accent1"/>
+          </a:effectRef>
+          <a:fontRef idx="minor">
+            <a:schemeClr val="tx1"/>
+          </a:fontRef>
+        </p:style>
+      </p:cxnSp>
     </p:spTree>
     <p:extLst>
       <p:ext uri="{BB962C8B-B14F-4D97-AF65-F5344CB8AC3E}">
